--- a/ClassMaterials/IntroToUnitTesting/Slides/Part0-DP3SolutionReminder.pptx
+++ b/ClassMaterials/IntroToUnitTesting/Slides/Part0-DP3SolutionReminder.pptx
@@ -234,7 +234,7 @@
           <a:p>
             <a:fld id="{3AF5CB90-EBBE-4A98-8017-860258A28525}" type="datetimeFigureOut">
               <a:rPr lang="en-US" smtClean="0"/>
-              <a:t>11/20/2023</a:t>
+              <a:t>2/26/2024</a:t>
             </a:fld>
             <a:endParaRPr lang="en-US"/>
           </a:p>
@@ -761,7 +761,7 @@
           <a:p>
             <a:fld id="{BBA3196D-232A-431F-BE23-760B96333E18}" type="datetimeFigureOut">
               <a:rPr lang="en-US" smtClean="0"/>
-              <a:t>11/20/2023</a:t>
+              <a:t>2/26/2024</a:t>
             </a:fld>
             <a:endParaRPr lang="en-US"/>
           </a:p>
@@ -959,7 +959,7 @@
           <a:p>
             <a:fld id="{BBA3196D-232A-431F-BE23-760B96333E18}" type="datetimeFigureOut">
               <a:rPr lang="en-US" smtClean="0"/>
-              <a:t>11/20/2023</a:t>
+              <a:t>2/26/2024</a:t>
             </a:fld>
             <a:endParaRPr lang="en-US"/>
           </a:p>
@@ -1167,7 +1167,7 @@
           <a:p>
             <a:fld id="{BBA3196D-232A-431F-BE23-760B96333E18}" type="datetimeFigureOut">
               <a:rPr lang="en-US" smtClean="0"/>
-              <a:t>11/20/2023</a:t>
+              <a:t>2/26/2024</a:t>
             </a:fld>
             <a:endParaRPr lang="en-US"/>
           </a:p>
@@ -1365,7 +1365,7 @@
           <a:p>
             <a:fld id="{BBA3196D-232A-431F-BE23-760B96333E18}" type="datetimeFigureOut">
               <a:rPr lang="en-US" smtClean="0"/>
-              <a:t>11/20/2023</a:t>
+              <a:t>2/26/2024</a:t>
             </a:fld>
             <a:endParaRPr lang="en-US"/>
           </a:p>
@@ -1640,7 +1640,7 @@
           <a:p>
             <a:fld id="{BBA3196D-232A-431F-BE23-760B96333E18}" type="datetimeFigureOut">
               <a:rPr lang="en-US" smtClean="0"/>
-              <a:t>11/20/2023</a:t>
+              <a:t>2/26/2024</a:t>
             </a:fld>
             <a:endParaRPr lang="en-US"/>
           </a:p>
@@ -1905,7 +1905,7 @@
           <a:p>
             <a:fld id="{BBA3196D-232A-431F-BE23-760B96333E18}" type="datetimeFigureOut">
               <a:rPr lang="en-US" smtClean="0"/>
-              <a:t>11/20/2023</a:t>
+              <a:t>2/26/2024</a:t>
             </a:fld>
             <a:endParaRPr lang="en-US"/>
           </a:p>
@@ -2317,7 +2317,7 @@
           <a:p>
             <a:fld id="{BBA3196D-232A-431F-BE23-760B96333E18}" type="datetimeFigureOut">
               <a:rPr lang="en-US" smtClean="0"/>
-              <a:t>11/20/2023</a:t>
+              <a:t>2/26/2024</a:t>
             </a:fld>
             <a:endParaRPr lang="en-US"/>
           </a:p>
@@ -2458,7 +2458,7 @@
           <a:p>
             <a:fld id="{BBA3196D-232A-431F-BE23-760B96333E18}" type="datetimeFigureOut">
               <a:rPr lang="en-US" smtClean="0"/>
-              <a:t>11/20/2023</a:t>
+              <a:t>2/26/2024</a:t>
             </a:fld>
             <a:endParaRPr lang="en-US"/>
           </a:p>
@@ -2571,7 +2571,7 @@
           <a:p>
             <a:fld id="{BBA3196D-232A-431F-BE23-760B96333E18}" type="datetimeFigureOut">
               <a:rPr lang="en-US" smtClean="0"/>
-              <a:t>11/20/2023</a:t>
+              <a:t>2/26/2024</a:t>
             </a:fld>
             <a:endParaRPr lang="en-US"/>
           </a:p>
@@ -2882,7 +2882,7 @@
           <a:p>
             <a:fld id="{BBA3196D-232A-431F-BE23-760B96333E18}" type="datetimeFigureOut">
               <a:rPr lang="en-US" smtClean="0"/>
-              <a:t>11/20/2023</a:t>
+              <a:t>2/26/2024</a:t>
             </a:fld>
             <a:endParaRPr lang="en-US"/>
           </a:p>
@@ -3170,7 +3170,7 @@
           <a:p>
             <a:fld id="{BBA3196D-232A-431F-BE23-760B96333E18}" type="datetimeFigureOut">
               <a:rPr lang="en-US" smtClean="0"/>
-              <a:t>11/20/2023</a:t>
+              <a:t>2/26/2024</a:t>
             </a:fld>
             <a:endParaRPr lang="en-US"/>
           </a:p>
@@ -3411,7 +3411,7 @@
           <a:p>
             <a:fld id="{BBA3196D-232A-431F-BE23-760B96333E18}" type="datetimeFigureOut">
               <a:rPr lang="en-US" smtClean="0"/>
-              <a:t>11/20/2023</a:t>
+              <a:t>2/26/2024</a:t>
             </a:fld>
             <a:endParaRPr lang="en-US"/>
           </a:p>
@@ -3879,13 +3879,28 @@
           <a:p>
             <a:r>
               <a:rPr lang="en-US" dirty="0"/>
-              <a:t>We will go over DP3 </a:t>
-            </a:r>
-            <a:r>
-              <a:rPr lang="en-US"/>
-              <a:t>during class time today</a:t>
-            </a:r>
+              <a:t>We will go over DP3 during class time today</a:t>
+            </a:r>
+          </a:p>
+          <a:p>
             <a:endParaRPr lang="en-US" dirty="0"/>
+          </a:p>
+          <a:p>
+            <a:endParaRPr lang="en-US" dirty="0"/>
+          </a:p>
+          <a:p>
+            <a:r>
+              <a:rPr lang="en-US" dirty="0"/>
+              <a:t>There is </a:t>
+            </a:r>
+            <a:r>
+              <a:rPr lang="en-US" b="1" u="sng" dirty="0"/>
+              <a:t>NOT</a:t>
+            </a:r>
+            <a:r>
+              <a:rPr lang="en-US" dirty="0"/>
+              <a:t> an associated coding HW for the DP3 problem</a:t>
+            </a:r>
           </a:p>
         </p:txBody>
       </p:sp>
